--- a/VanOmmeren Predictive Analytics Final.pptx
+++ b/VanOmmeren Predictive Analytics Final.pptx
@@ -241,7 +241,7 @@
             <a:fld id="{9DC66F12-D11B-4BF0-9670-452786151E72}" type="datetime1">
               <a:rPr lang="en-US" altLang="en-US"/>
               <a:pPr/>
-              <a:t>5/10/2025</a:t>
+              <a:t>5/11/2025</a:t>
             </a:fld>
             <a:endParaRPr lang="en-US" altLang="en-US" dirty="0"/>
           </a:p>
@@ -2279,7 +2279,7 @@
             <a:fld id="{48A87A34-81AB-432B-8DAE-1953F412C126}" type="datetimeFigureOut">
               <a:rPr lang="en-US" dirty="0"/>
               <a:pPr/>
-              <a:t>5/10/2025</a:t>
+              <a:t>5/11/2025</a:t>
             </a:fld>
             <a:endParaRPr lang="en-US" dirty="0"/>
           </a:p>
@@ -3739,7 +3739,7 @@
             <a:fld id="{7D98DB79-DB1B-464E-8FC8-FB1D980692CC}" type="datetime1">
               <a:rPr lang="en-US" altLang="en-US" smtClean="0"/>
               <a:pPr/>
-              <a:t>5/10/2025</a:t>
+              <a:t>5/11/2025</a:t>
             </a:fld>
             <a:endParaRPr lang="en-US" altLang="en-US" dirty="0"/>
           </a:p>
@@ -5197,7 +5197,7 @@
             <a:fld id="{0D2A2D7D-DDEB-4A7F-AC4F-AB0DFEF7BCBE}" type="datetime1">
               <a:rPr lang="en-US" altLang="en-US" smtClean="0"/>
               <a:pPr/>
-              <a:t>5/10/2025</a:t>
+              <a:t>5/11/2025</a:t>
             </a:fld>
             <a:endParaRPr lang="en-US" altLang="en-US" dirty="0"/>
           </a:p>
@@ -6835,7 +6835,7 @@
             <a:fld id="{94A7572E-03D9-46EE-98F2-4BDFFCFC50C4}" type="datetime1">
               <a:rPr lang="en-US" altLang="en-US" smtClean="0"/>
               <a:pPr/>
-              <a:t>5/10/2025</a:t>
+              <a:t>5/11/2025</a:t>
             </a:fld>
             <a:endParaRPr lang="en-US" altLang="en-US" dirty="0"/>
           </a:p>
@@ -8348,7 +8348,7 @@
             <a:fld id="{B9931E8E-0902-47BC-B2C7-10F8DFAFF5FC}" type="datetime1">
               <a:rPr lang="en-US" altLang="en-US" smtClean="0"/>
               <a:pPr/>
-              <a:t>5/10/2025</a:t>
+              <a:t>5/11/2025</a:t>
             </a:fld>
             <a:endParaRPr lang="en-US" altLang="en-US" dirty="0"/>
           </a:p>
@@ -9874,7 +9874,7 @@
             <a:fld id="{547D0C35-806F-40FA-BD43-750ADD1A6019}" type="datetime1">
               <a:rPr lang="en-US" altLang="en-US" smtClean="0"/>
               <a:pPr/>
-              <a:t>5/10/2025</a:t>
+              <a:t>5/11/2025</a:t>
             </a:fld>
             <a:endParaRPr lang="en-US" altLang="en-US" dirty="0"/>
           </a:p>
@@ -11544,7 +11544,7 @@
             <a:fld id="{C48F0DEC-832E-4151-AA48-C3B96F75B9F0}" type="datetime1">
               <a:rPr lang="en-US" altLang="en-US" smtClean="0"/>
               <a:pPr/>
-              <a:t>5/10/2025</a:t>
+              <a:t>5/11/2025</a:t>
             </a:fld>
             <a:endParaRPr lang="en-US" altLang="en-US" dirty="0"/>
           </a:p>
@@ -12947,7 +12947,7 @@
             <a:fld id="{3E399053-E54D-476E-8743-2CDC10BAE5D7}" type="datetime1">
               <a:rPr lang="en-US" altLang="en-US" smtClean="0"/>
               <a:pPr/>
-              <a:t>5/10/2025</a:t>
+              <a:t>5/11/2025</a:t>
             </a:fld>
             <a:endParaRPr lang="en-US" altLang="en-US" dirty="0"/>
           </a:p>
@@ -13052,7 +13052,7 @@
             <a:fld id="{A5E08242-E237-4B55-8679-30FB906C8E92}" type="datetime1">
               <a:rPr lang="en-US" altLang="en-US" smtClean="0"/>
               <a:pPr/>
-              <a:t>5/10/2025</a:t>
+              <a:t>5/11/2025</a:t>
             </a:fld>
             <a:endParaRPr lang="en-US" altLang="en-US" dirty="0"/>
           </a:p>
@@ -14583,7 +14583,7 @@
             <a:fld id="{CD6384DC-1099-49CE-9202-91DEEED38AD3}" type="datetime1">
               <a:rPr lang="en-US" altLang="en-US" smtClean="0"/>
               <a:pPr/>
-              <a:t>5/10/2025</a:t>
+              <a:t>5/11/2025</a:t>
             </a:fld>
             <a:endParaRPr lang="en-US" altLang="en-US" dirty="0"/>
           </a:p>
@@ -16124,7 +16124,7 @@
             <a:fld id="{E03EC425-23A8-400B-93EA-799E29BD31E7}" type="datetime1">
               <a:rPr lang="en-US" altLang="en-US" smtClean="0"/>
               <a:pPr/>
-              <a:t>5/10/2025</a:t>
+              <a:t>5/11/2025</a:t>
             </a:fld>
             <a:endParaRPr lang="en-US" altLang="en-US" dirty="0"/>
           </a:p>
@@ -16352,7 +16352,7 @@
             <a:fld id="{48A87A34-81AB-432B-8DAE-1953F412C126}" type="datetimeFigureOut">
               <a:rPr lang="en-US" dirty="0"/>
               <a:pPr/>
-              <a:t>5/10/2025</a:t>
+              <a:t>5/11/2025</a:t>
             </a:fld>
             <a:endParaRPr lang="en-US" dirty="0"/>
           </a:p>
@@ -17681,7 +17681,7 @@
               <a:rPr lang="en-US" altLang="en-US" sz="2450" dirty="0">
                 <a:latin typeface="Univers LT Std 75 Black" pitchFamily="-84" charset="0"/>
               </a:rPr>
-              <a:t>Because the daily data is quite large (and would be extremely large if balanced at the daily level), I aggregate it to the shop-product-monthly level. I also balance the panel and fill in months with no sales.</a:t>
+              <a:t>Because the daily data is too large, I aggregate it to the shop-product-monthly level. I also balance the panel and fill in months with no sales.</a:t>
             </a:r>
           </a:p>
           <a:p>
@@ -18136,7 +18136,7 @@
           </a:ln>
           <a:extLst>
             <a:ext uri="{91240B29-F687-4f45-9708-019B960494DF}">
-              <a14:hiddenLine xmlns="" xmlns:a14="http://schemas.microsoft.com/office/drawing/2010/main" w="9525">
+              <a14:hiddenLine xmlns:a14="http://schemas.microsoft.com/office/drawing/2010/main" xmlns="" w="9525">
                 <a:solidFill>
                   <a:srgbClr val="000000"/>
                 </a:solidFill>
@@ -19204,7 +19204,7 @@
               <a:rPr lang="en-US" altLang="en-US" sz="2450" dirty="0">
                 <a:latin typeface="Univers LT Std 75 Black" pitchFamily="-84" charset="0"/>
               </a:rPr>
-              <a:t>Forecasting sales is critical to any company. Accurate forecasts of future sales at the shop and product level would allow 1C Company to identify under- and over-performing products. They can then adjust marketing and pricing practices accordingly, for example by reducing prices of under-performing products to increase sales. Additionally, interpretable forecasting models would allow the company to understanding why sales are up or down. As explained below, while machine learning methods are traditionally described as “black box” methods, techniques exist to help understand the output's sensitivity to changes in input variables.</a:t>
+              <a:t>Forecasting sales is critical to any company. Accurate forecasts of future sales at the shop and product level would allow 1C Company to identify under- and over-performing products. They can then adjust marketing and pricing practices to increase sales. Interpretable forecasting models would allow the company to understanding why sales are up or down. While machine learning methods are traditionally described as “black boxes,” techniques exist to help understand the output's sensitivity to changes in input variables.</a:t>
             </a:r>
           </a:p>
           <a:p>
